--- a/jQuery Development.pptx
+++ b/jQuery Development.pptx
@@ -426,7 +426,7 @@
           <a:p>
             <a:fld id="{7F5E9BF7-95E4-A242-BA1D-05FDCF603BE6}" type="datetime1">
               <a:rPr lang="en-US" smtClean="0"/>
-              <a:t>30-Dec-17</a:t>
+              <a:t>09-Jan-18</a:t>
             </a:fld>
             <a:endParaRPr lang="en-US"/>
           </a:p>
@@ -592,7 +592,7 @@
           <a:p>
             <a:fld id="{165DBCB1-0306-AD41-9452-11E7C08D5C04}" type="datetime1">
               <a:rPr lang="en-US" smtClean="0"/>
-              <a:t>30-Dec-17</a:t>
+              <a:t>09-Jan-18</a:t>
             </a:fld>
             <a:endParaRPr lang="en-US"/>
           </a:p>
@@ -6296,7 +6296,81 @@
           <a:bodyPr/>
           <a:lstStyle/>
           <a:p>
-            <a:endParaRPr lang="en-US"/>
+            <a:r>
+              <a:rPr lang="en-US" dirty="0" smtClean="0"/>
+              <a:t>Image Plugins</a:t>
+            </a:r>
+          </a:p>
+          <a:p>
+            <a:pPr lvl="1"/>
+            <a:r>
+              <a:rPr lang="en-US" dirty="0" smtClean="0"/>
+              <a:t>Filters, </a:t>
+            </a:r>
+            <a:r>
+              <a:rPr lang="en-US" dirty="0" smtClean="0"/>
+              <a:t>Overlays, </a:t>
+            </a:r>
+            <a:r>
+              <a:rPr lang="en-US" dirty="0" smtClean="0"/>
+              <a:t>Tooltips, </a:t>
+            </a:r>
+            <a:r>
+              <a:rPr lang="en-US" dirty="0" smtClean="0"/>
+              <a:t>Zoom, </a:t>
+            </a:r>
+            <a:r>
+              <a:rPr lang="en-US" dirty="0" smtClean="0"/>
+              <a:t>Lazy load, </a:t>
+            </a:r>
+            <a:r>
+              <a:rPr lang="en-US" dirty="0" smtClean="0"/>
+              <a:t>Rounded corners , Slideshows</a:t>
+            </a:r>
+          </a:p>
+          <a:p>
+            <a:r>
+              <a:rPr lang="en-US" dirty="0" smtClean="0"/>
+              <a:t>Forms plugins</a:t>
+            </a:r>
+          </a:p>
+          <a:p>
+            <a:pPr lvl="1"/>
+            <a:r>
+              <a:rPr lang="en-US" dirty="0" smtClean="0"/>
+              <a:t>Auto Complete, Auto tab, jQuery UI, Masked Input, Max length, Validation, Wizard</a:t>
+            </a:r>
+            <a:endParaRPr lang="en-US" dirty="0" smtClean="0"/>
+          </a:p>
+          <a:p>
+            <a:r>
+              <a:rPr lang="en-US" dirty="0" smtClean="0"/>
+              <a:t>Social Plugins</a:t>
+            </a:r>
+          </a:p>
+          <a:p>
+            <a:pPr lvl="1"/>
+            <a:r>
+              <a:rPr lang="en-US" dirty="0" err="1" smtClean="0"/>
+              <a:t>Youtube</a:t>
+            </a:r>
+            <a:r>
+              <a:rPr lang="en-US" dirty="0" smtClean="0"/>
+              <a:t>, Twitter, Facebook</a:t>
+            </a:r>
+          </a:p>
+          <a:p>
+            <a:r>
+              <a:rPr lang="en-US" dirty="0" smtClean="0"/>
+              <a:t>Other Plugins</a:t>
+            </a:r>
+          </a:p>
+          <a:p>
+            <a:pPr lvl="1"/>
+            <a:r>
+              <a:rPr lang="en-US" dirty="0" smtClean="0"/>
+              <a:t>Activity Indicator, Countdown timer, List navigation, Notifications, popups, Tooltips</a:t>
+            </a:r>
           </a:p>
         </p:txBody>
       </p:sp>
@@ -6573,21 +6647,21 @@
                 <a:gridCol w="1035237">
                   <a:extLst>
                     <a:ext uri="{9D8B030D-6E8A-4147-A177-3AD203B41FA5}">
-                      <a16:colId xmlns:a16="http://schemas.microsoft.com/office/drawing/2014/main" xmlns="" val="20000"/>
+                      <a16:colId xmlns="" xmlns:a16="http://schemas.microsoft.com/office/drawing/2014/main" val="20000"/>
                     </a:ext>
                   </a:extLst>
                 </a:gridCol>
                 <a:gridCol w="1637576">
                   <a:extLst>
                     <a:ext uri="{9D8B030D-6E8A-4147-A177-3AD203B41FA5}">
-                      <a16:colId xmlns:a16="http://schemas.microsoft.com/office/drawing/2014/main" xmlns="" val="20001"/>
+                      <a16:colId xmlns="" xmlns:a16="http://schemas.microsoft.com/office/drawing/2014/main" val="20001"/>
                     </a:ext>
                   </a:extLst>
                 </a:gridCol>
                 <a:gridCol w="4621838">
                   <a:extLst>
                     <a:ext uri="{9D8B030D-6E8A-4147-A177-3AD203B41FA5}">
-                      <a16:colId xmlns:a16="http://schemas.microsoft.com/office/drawing/2014/main" xmlns="" val="20002"/>
+                      <a16:colId xmlns="" xmlns:a16="http://schemas.microsoft.com/office/drawing/2014/main" val="20002"/>
                     </a:ext>
                   </a:extLst>
                 </a:gridCol>
@@ -6661,7 +6735,7 @@
                 </a:tc>
                 <a:extLst>
                   <a:ext uri="{0D108BD9-81ED-4DB2-BD59-A6C34878D82A}">
-                    <a16:rowId xmlns:a16="http://schemas.microsoft.com/office/drawing/2014/main" xmlns="" val="10000"/>
+                    <a16:rowId xmlns="" xmlns:a16="http://schemas.microsoft.com/office/drawing/2014/main" val="10000"/>
                   </a:ext>
                 </a:extLst>
               </a:tr>
@@ -6720,7 +6794,7 @@
                 </a:tc>
                 <a:extLst>
                   <a:ext uri="{0D108BD9-81ED-4DB2-BD59-A6C34878D82A}">
-                    <a16:rowId xmlns:a16="http://schemas.microsoft.com/office/drawing/2014/main" xmlns="" val="10001"/>
+                    <a16:rowId xmlns="" xmlns:a16="http://schemas.microsoft.com/office/drawing/2014/main" val="10001"/>
                   </a:ext>
                 </a:extLst>
               </a:tr>
@@ -6779,7 +6853,7 @@
                 </a:tc>
                 <a:extLst>
                   <a:ext uri="{0D108BD9-81ED-4DB2-BD59-A6C34878D82A}">
-                    <a16:rowId xmlns:a16="http://schemas.microsoft.com/office/drawing/2014/main" xmlns="" val="10002"/>
+                    <a16:rowId xmlns="" xmlns:a16="http://schemas.microsoft.com/office/drawing/2014/main" val="10002"/>
                   </a:ext>
                 </a:extLst>
               </a:tr>
@@ -6838,7 +6912,7 @@
                 </a:tc>
                 <a:extLst>
                   <a:ext uri="{0D108BD9-81ED-4DB2-BD59-A6C34878D82A}">
-                    <a16:rowId xmlns:a16="http://schemas.microsoft.com/office/drawing/2014/main" xmlns="" val="10003"/>
+                    <a16:rowId xmlns="" xmlns:a16="http://schemas.microsoft.com/office/drawing/2014/main" val="10003"/>
                   </a:ext>
                 </a:extLst>
               </a:tr>
@@ -6921,7 +6995,7 @@
                 </a:tc>
                 <a:extLst>
                   <a:ext uri="{0D108BD9-81ED-4DB2-BD59-A6C34878D82A}">
-                    <a16:rowId xmlns:a16="http://schemas.microsoft.com/office/drawing/2014/main" xmlns="" val="10004"/>
+                    <a16:rowId xmlns="" xmlns:a16="http://schemas.microsoft.com/office/drawing/2014/main" val="10004"/>
                   </a:ext>
                 </a:extLst>
               </a:tr>
@@ -7046,7 +7120,7 @@
                 </a:tc>
                 <a:extLst>
                   <a:ext uri="{0D108BD9-81ED-4DB2-BD59-A6C34878D82A}">
-                    <a16:rowId xmlns:a16="http://schemas.microsoft.com/office/drawing/2014/main" xmlns="" val="10005"/>
+                    <a16:rowId xmlns="" xmlns:a16="http://schemas.microsoft.com/office/drawing/2014/main" val="10005"/>
                   </a:ext>
                 </a:extLst>
               </a:tr>
@@ -7175,7 +7249,7 @@
                 </a:tc>
                 <a:extLst>
                   <a:ext uri="{0D108BD9-81ED-4DB2-BD59-A6C34878D82A}">
-                    <a16:rowId xmlns:a16="http://schemas.microsoft.com/office/drawing/2014/main" xmlns="" val="10006"/>
+                    <a16:rowId xmlns="" xmlns:a16="http://schemas.microsoft.com/office/drawing/2014/main" val="10006"/>
                   </a:ext>
                 </a:extLst>
               </a:tr>
@@ -7274,14 +7348,14 @@
                 <a:gridCol w="4111153">
                   <a:extLst>
                     <a:ext uri="{9D8B030D-6E8A-4147-A177-3AD203B41FA5}">
-                      <a16:colId xmlns:a16="http://schemas.microsoft.com/office/drawing/2014/main" xmlns="" val="20000"/>
+                      <a16:colId xmlns="" xmlns:a16="http://schemas.microsoft.com/office/drawing/2014/main" val="20000"/>
                     </a:ext>
                   </a:extLst>
                 </a:gridCol>
                 <a:gridCol w="4111153">
                   <a:extLst>
                     <a:ext uri="{9D8B030D-6E8A-4147-A177-3AD203B41FA5}">
-                      <a16:colId xmlns:a16="http://schemas.microsoft.com/office/drawing/2014/main" xmlns="" val="20001"/>
+                      <a16:colId xmlns="" xmlns:a16="http://schemas.microsoft.com/office/drawing/2014/main" val="20001"/>
                     </a:ext>
                   </a:extLst>
                 </a:gridCol>
@@ -7353,7 +7427,7 @@
                 </a:tc>
                 <a:extLst>
                   <a:ext uri="{0D108BD9-81ED-4DB2-BD59-A6C34878D82A}">
-                    <a16:rowId xmlns:a16="http://schemas.microsoft.com/office/drawing/2014/main" xmlns="" val="10000"/>
+                    <a16:rowId xmlns="" xmlns:a16="http://schemas.microsoft.com/office/drawing/2014/main" val="10000"/>
                   </a:ext>
                 </a:extLst>
               </a:tr>
@@ -7429,7 +7503,7 @@
                 </a:tc>
                 <a:extLst>
                   <a:ext uri="{0D108BD9-81ED-4DB2-BD59-A6C34878D82A}">
-                    <a16:rowId xmlns:a16="http://schemas.microsoft.com/office/drawing/2014/main" xmlns="" val="10001"/>
+                    <a16:rowId xmlns="" xmlns:a16="http://schemas.microsoft.com/office/drawing/2014/main" val="10001"/>
                   </a:ext>
                 </a:extLst>
               </a:tr>
@@ -7500,7 +7574,7 @@
                 </a:tc>
                 <a:extLst>
                   <a:ext uri="{0D108BD9-81ED-4DB2-BD59-A6C34878D82A}">
-                    <a16:rowId xmlns:a16="http://schemas.microsoft.com/office/drawing/2014/main" xmlns="" val="10002"/>
+                    <a16:rowId xmlns="" xmlns:a16="http://schemas.microsoft.com/office/drawing/2014/main" val="10002"/>
                   </a:ext>
                 </a:extLst>
               </a:tr>
@@ -7571,7 +7645,7 @@
                 </a:tc>
                 <a:extLst>
                   <a:ext uri="{0D108BD9-81ED-4DB2-BD59-A6C34878D82A}">
-                    <a16:rowId xmlns:a16="http://schemas.microsoft.com/office/drawing/2014/main" xmlns="" val="10003"/>
+                    <a16:rowId xmlns="" xmlns:a16="http://schemas.microsoft.com/office/drawing/2014/main" val="10003"/>
                   </a:ext>
                 </a:extLst>
               </a:tr>
@@ -7642,7 +7716,7 @@
                 </a:tc>
                 <a:extLst>
                   <a:ext uri="{0D108BD9-81ED-4DB2-BD59-A6C34878D82A}">
-                    <a16:rowId xmlns:a16="http://schemas.microsoft.com/office/drawing/2014/main" xmlns="" val="10004"/>
+                    <a16:rowId xmlns="" xmlns:a16="http://schemas.microsoft.com/office/drawing/2014/main" val="10004"/>
                   </a:ext>
                 </a:extLst>
               </a:tr>
@@ -7722,7 +7796,7 @@
                 </a:tc>
                 <a:extLst>
                   <a:ext uri="{0D108BD9-81ED-4DB2-BD59-A6C34878D82A}">
-                    <a16:rowId xmlns:a16="http://schemas.microsoft.com/office/drawing/2014/main" xmlns="" val="10005"/>
+                    <a16:rowId xmlns="" xmlns:a16="http://schemas.microsoft.com/office/drawing/2014/main" val="10005"/>
                   </a:ext>
                 </a:extLst>
               </a:tr>
@@ -10521,14 +10595,14 @@
                 <a:gridCol w="1378284">
                   <a:extLst>
                     <a:ext uri="{9D8B030D-6E8A-4147-A177-3AD203B41FA5}">
-                      <a16:colId xmlns:a16="http://schemas.microsoft.com/office/drawing/2014/main" xmlns="" val="20000"/>
+                      <a16:colId xmlns="" xmlns:a16="http://schemas.microsoft.com/office/drawing/2014/main" val="20000"/>
                     </a:ext>
                   </a:extLst>
                 </a:gridCol>
                 <a:gridCol w="6782489">
                   <a:extLst>
                     <a:ext uri="{9D8B030D-6E8A-4147-A177-3AD203B41FA5}">
-                      <a16:colId xmlns:a16="http://schemas.microsoft.com/office/drawing/2014/main" xmlns="" val="20001"/>
+                      <a16:colId xmlns="" xmlns:a16="http://schemas.microsoft.com/office/drawing/2014/main" val="20001"/>
                     </a:ext>
                   </a:extLst>
                 </a:gridCol>
@@ -10600,7 +10674,7 @@
                 </a:tc>
                 <a:extLst>
                   <a:ext uri="{0D108BD9-81ED-4DB2-BD59-A6C34878D82A}">
-                    <a16:rowId xmlns:a16="http://schemas.microsoft.com/office/drawing/2014/main" xmlns="" val="10000"/>
+                    <a16:rowId xmlns="" xmlns:a16="http://schemas.microsoft.com/office/drawing/2014/main" val="10000"/>
                   </a:ext>
                 </a:extLst>
               </a:tr>
@@ -10671,7 +10745,7 @@
                 </a:tc>
                 <a:extLst>
                   <a:ext uri="{0D108BD9-81ED-4DB2-BD59-A6C34878D82A}">
-                    <a16:rowId xmlns:a16="http://schemas.microsoft.com/office/drawing/2014/main" xmlns="" val="10001"/>
+                    <a16:rowId xmlns="" xmlns:a16="http://schemas.microsoft.com/office/drawing/2014/main" val="10001"/>
                   </a:ext>
                 </a:extLst>
               </a:tr>
@@ -10742,7 +10816,7 @@
                 </a:tc>
                 <a:extLst>
                   <a:ext uri="{0D108BD9-81ED-4DB2-BD59-A6C34878D82A}">
-                    <a16:rowId xmlns:a16="http://schemas.microsoft.com/office/drawing/2014/main" xmlns="" val="10002"/>
+                    <a16:rowId xmlns="" xmlns:a16="http://schemas.microsoft.com/office/drawing/2014/main" val="10002"/>
                   </a:ext>
                 </a:extLst>
               </a:tr>
@@ -10826,7 +10900,7 @@
                 </a:tc>
                 <a:extLst>
                   <a:ext uri="{0D108BD9-81ED-4DB2-BD59-A6C34878D82A}">
-                    <a16:rowId xmlns:a16="http://schemas.microsoft.com/office/drawing/2014/main" xmlns="" val="10003"/>
+                    <a16:rowId xmlns="" xmlns:a16="http://schemas.microsoft.com/office/drawing/2014/main" val="10003"/>
                   </a:ext>
                 </a:extLst>
               </a:tr>
@@ -10906,7 +10980,7 @@
                 </a:tc>
                 <a:extLst>
                   <a:ext uri="{0D108BD9-81ED-4DB2-BD59-A6C34878D82A}">
-                    <a16:rowId xmlns:a16="http://schemas.microsoft.com/office/drawing/2014/main" xmlns="" val="10004"/>
+                    <a16:rowId xmlns="" xmlns:a16="http://schemas.microsoft.com/office/drawing/2014/main" val="10004"/>
                   </a:ext>
                 </a:extLst>
               </a:tr>
@@ -10986,7 +11060,7 @@
                 </a:tc>
                 <a:extLst>
                   <a:ext uri="{0D108BD9-81ED-4DB2-BD59-A6C34878D82A}">
-                    <a16:rowId xmlns:a16="http://schemas.microsoft.com/office/drawing/2014/main" xmlns="" val="10005"/>
+                    <a16:rowId xmlns="" xmlns:a16="http://schemas.microsoft.com/office/drawing/2014/main" val="10005"/>
                   </a:ext>
                 </a:extLst>
               </a:tr>
@@ -11112,14 +11186,14 @@
                 <a:gridCol w="1476485">
                   <a:extLst>
                     <a:ext uri="{9D8B030D-6E8A-4147-A177-3AD203B41FA5}">
-                      <a16:colId xmlns:a16="http://schemas.microsoft.com/office/drawing/2014/main" xmlns="" val="20000"/>
+                      <a16:colId xmlns="" xmlns:a16="http://schemas.microsoft.com/office/drawing/2014/main" val="20000"/>
                     </a:ext>
                   </a:extLst>
                 </a:gridCol>
                 <a:gridCol w="6684288">
                   <a:extLst>
                     <a:ext uri="{9D8B030D-6E8A-4147-A177-3AD203B41FA5}">
-                      <a16:colId xmlns:a16="http://schemas.microsoft.com/office/drawing/2014/main" xmlns="" val="20001"/>
+                      <a16:colId xmlns="" xmlns:a16="http://schemas.microsoft.com/office/drawing/2014/main" val="20001"/>
                     </a:ext>
                   </a:extLst>
                 </a:gridCol>
@@ -11191,7 +11265,7 @@
                 </a:tc>
                 <a:extLst>
                   <a:ext uri="{0D108BD9-81ED-4DB2-BD59-A6C34878D82A}">
-                    <a16:rowId xmlns:a16="http://schemas.microsoft.com/office/drawing/2014/main" xmlns="" val="10000"/>
+                    <a16:rowId xmlns="" xmlns:a16="http://schemas.microsoft.com/office/drawing/2014/main" val="10000"/>
                   </a:ext>
                 </a:extLst>
               </a:tr>
@@ -11263,7 +11337,7 @@
                 </a:tc>
                 <a:extLst>
                   <a:ext uri="{0D108BD9-81ED-4DB2-BD59-A6C34878D82A}">
-                    <a16:rowId xmlns:a16="http://schemas.microsoft.com/office/drawing/2014/main" xmlns="" val="10001"/>
+                    <a16:rowId xmlns="" xmlns:a16="http://schemas.microsoft.com/office/drawing/2014/main" val="10001"/>
                   </a:ext>
                 </a:extLst>
               </a:tr>
@@ -11335,7 +11409,7 @@
                 </a:tc>
                 <a:extLst>
                   <a:ext uri="{0D108BD9-81ED-4DB2-BD59-A6C34878D82A}">
-                    <a16:rowId xmlns:a16="http://schemas.microsoft.com/office/drawing/2014/main" xmlns="" val="10002"/>
+                    <a16:rowId xmlns="" xmlns:a16="http://schemas.microsoft.com/office/drawing/2014/main" val="10002"/>
                   </a:ext>
                 </a:extLst>
               </a:tr>
@@ -11407,7 +11481,7 @@
                 </a:tc>
                 <a:extLst>
                   <a:ext uri="{0D108BD9-81ED-4DB2-BD59-A6C34878D82A}">
-                    <a16:rowId xmlns:a16="http://schemas.microsoft.com/office/drawing/2014/main" xmlns="" val="10003"/>
+                    <a16:rowId xmlns="" xmlns:a16="http://schemas.microsoft.com/office/drawing/2014/main" val="10003"/>
                   </a:ext>
                 </a:extLst>
               </a:tr>
@@ -11479,7 +11553,7 @@
                 </a:tc>
                 <a:extLst>
                   <a:ext uri="{0D108BD9-81ED-4DB2-BD59-A6C34878D82A}">
-                    <a16:rowId xmlns:a16="http://schemas.microsoft.com/office/drawing/2014/main" xmlns="" val="10004"/>
+                    <a16:rowId xmlns="" xmlns:a16="http://schemas.microsoft.com/office/drawing/2014/main" val="10004"/>
                   </a:ext>
                 </a:extLst>
               </a:tr>
@@ -11551,7 +11625,7 @@
                 </a:tc>
                 <a:extLst>
                   <a:ext uri="{0D108BD9-81ED-4DB2-BD59-A6C34878D82A}">
-                    <a16:rowId xmlns:a16="http://schemas.microsoft.com/office/drawing/2014/main" xmlns="" val="10005"/>
+                    <a16:rowId xmlns="" xmlns:a16="http://schemas.microsoft.com/office/drawing/2014/main" val="10005"/>
                   </a:ext>
                 </a:extLst>
               </a:tr>
@@ -11813,14 +11887,14 @@
                 <a:gridCol w="1445663">
                   <a:extLst>
                     <a:ext uri="{9D8B030D-6E8A-4147-A177-3AD203B41FA5}">
-                      <a16:colId xmlns:a16="http://schemas.microsoft.com/office/drawing/2014/main" xmlns="" val="20000"/>
+                      <a16:colId xmlns="" xmlns:a16="http://schemas.microsoft.com/office/drawing/2014/main" val="20000"/>
                     </a:ext>
                   </a:extLst>
                 </a:gridCol>
                 <a:gridCol w="6715110">
                   <a:extLst>
                     <a:ext uri="{9D8B030D-6E8A-4147-A177-3AD203B41FA5}">
-                      <a16:colId xmlns:a16="http://schemas.microsoft.com/office/drawing/2014/main" xmlns="" val="20001"/>
+                      <a16:colId xmlns="" xmlns:a16="http://schemas.microsoft.com/office/drawing/2014/main" val="20001"/>
                     </a:ext>
                   </a:extLst>
                 </a:gridCol>
@@ -11892,7 +11966,7 @@
                 </a:tc>
                 <a:extLst>
                   <a:ext uri="{0D108BD9-81ED-4DB2-BD59-A6C34878D82A}">
-                    <a16:rowId xmlns:a16="http://schemas.microsoft.com/office/drawing/2014/main" xmlns="" val="10000"/>
+                    <a16:rowId xmlns="" xmlns:a16="http://schemas.microsoft.com/office/drawing/2014/main" val="10000"/>
                   </a:ext>
                 </a:extLst>
               </a:tr>
@@ -11968,7 +12042,7 @@
                 </a:tc>
                 <a:extLst>
                   <a:ext uri="{0D108BD9-81ED-4DB2-BD59-A6C34878D82A}">
-                    <a16:rowId xmlns:a16="http://schemas.microsoft.com/office/drawing/2014/main" xmlns="" val="10001"/>
+                    <a16:rowId xmlns="" xmlns:a16="http://schemas.microsoft.com/office/drawing/2014/main" val="10001"/>
                   </a:ext>
                 </a:extLst>
               </a:tr>
@@ -12040,7 +12114,7 @@
                 </a:tc>
                 <a:extLst>
                   <a:ext uri="{0D108BD9-81ED-4DB2-BD59-A6C34878D82A}">
-                    <a16:rowId xmlns:a16="http://schemas.microsoft.com/office/drawing/2014/main" xmlns="" val="10002"/>
+                    <a16:rowId xmlns="" xmlns:a16="http://schemas.microsoft.com/office/drawing/2014/main" val="10002"/>
                   </a:ext>
                 </a:extLst>
               </a:tr>
@@ -12112,7 +12186,7 @@
                 </a:tc>
                 <a:extLst>
                   <a:ext uri="{0D108BD9-81ED-4DB2-BD59-A6C34878D82A}">
-                    <a16:rowId xmlns:a16="http://schemas.microsoft.com/office/drawing/2014/main" xmlns="" val="10003"/>
+                    <a16:rowId xmlns="" xmlns:a16="http://schemas.microsoft.com/office/drawing/2014/main" val="10003"/>
                   </a:ext>
                 </a:extLst>
               </a:tr>
@@ -12184,7 +12258,7 @@
                 </a:tc>
                 <a:extLst>
                   <a:ext uri="{0D108BD9-81ED-4DB2-BD59-A6C34878D82A}">
-                    <a16:rowId xmlns:a16="http://schemas.microsoft.com/office/drawing/2014/main" xmlns="" val="10004"/>
+                    <a16:rowId xmlns="" xmlns:a16="http://schemas.microsoft.com/office/drawing/2014/main" val="10004"/>
                   </a:ext>
                 </a:extLst>
               </a:tr>
@@ -12256,7 +12330,7 @@
                 </a:tc>
                 <a:extLst>
                   <a:ext uri="{0D108BD9-81ED-4DB2-BD59-A6C34878D82A}">
-                    <a16:rowId xmlns:a16="http://schemas.microsoft.com/office/drawing/2014/main" xmlns="" val="10005"/>
+                    <a16:rowId xmlns="" xmlns:a16="http://schemas.microsoft.com/office/drawing/2014/main" val="10005"/>
                   </a:ext>
                 </a:extLst>
               </a:tr>
@@ -12327,7 +12401,7 @@
                 </a:tc>
                 <a:extLst>
                   <a:ext uri="{0D108BD9-81ED-4DB2-BD59-A6C34878D82A}">
-                    <a16:rowId xmlns:a16="http://schemas.microsoft.com/office/drawing/2014/main" xmlns="" val="10006"/>
+                    <a16:rowId xmlns="" xmlns:a16="http://schemas.microsoft.com/office/drawing/2014/main" val="10006"/>
                   </a:ext>
                 </a:extLst>
               </a:tr>
@@ -13437,14 +13511,14 @@
                 <a:gridCol w="1351053">
                   <a:extLst>
                     <a:ext uri="{9D8B030D-6E8A-4147-A177-3AD203B41FA5}">
-                      <a16:colId xmlns:a16="http://schemas.microsoft.com/office/drawing/2014/main" xmlns="" val="20000"/>
+                      <a16:colId xmlns="" xmlns:a16="http://schemas.microsoft.com/office/drawing/2014/main" val="20000"/>
                     </a:ext>
                   </a:extLst>
                 </a:gridCol>
                 <a:gridCol w="6755257">
                   <a:extLst>
                     <a:ext uri="{9D8B030D-6E8A-4147-A177-3AD203B41FA5}">
-                      <a16:colId xmlns:a16="http://schemas.microsoft.com/office/drawing/2014/main" xmlns="" val="20001"/>
+                      <a16:colId xmlns="" xmlns:a16="http://schemas.microsoft.com/office/drawing/2014/main" val="20001"/>
                     </a:ext>
                   </a:extLst>
                 </a:gridCol>
@@ -13516,7 +13590,7 @@
                 </a:tc>
                 <a:extLst>
                   <a:ext uri="{0D108BD9-81ED-4DB2-BD59-A6C34878D82A}">
-                    <a16:rowId xmlns:a16="http://schemas.microsoft.com/office/drawing/2014/main" xmlns="" val="10000"/>
+                    <a16:rowId xmlns="" xmlns:a16="http://schemas.microsoft.com/office/drawing/2014/main" val="10000"/>
                   </a:ext>
                 </a:extLst>
               </a:tr>
@@ -13596,7 +13670,7 @@
                 </a:tc>
                 <a:extLst>
                   <a:ext uri="{0D108BD9-81ED-4DB2-BD59-A6C34878D82A}">
-                    <a16:rowId xmlns:a16="http://schemas.microsoft.com/office/drawing/2014/main" xmlns="" val="10001"/>
+                    <a16:rowId xmlns="" xmlns:a16="http://schemas.microsoft.com/office/drawing/2014/main" val="10001"/>
                   </a:ext>
                 </a:extLst>
               </a:tr>
@@ -13680,7 +13754,7 @@
                 </a:tc>
                 <a:extLst>
                   <a:ext uri="{0D108BD9-81ED-4DB2-BD59-A6C34878D82A}">
-                    <a16:rowId xmlns:a16="http://schemas.microsoft.com/office/drawing/2014/main" xmlns="" val="10002"/>
+                    <a16:rowId xmlns="" xmlns:a16="http://schemas.microsoft.com/office/drawing/2014/main" val="10002"/>
                   </a:ext>
                 </a:extLst>
               </a:tr>
@@ -13751,7 +13825,7 @@
                 </a:tc>
                 <a:extLst>
                   <a:ext uri="{0D108BD9-81ED-4DB2-BD59-A6C34878D82A}">
-                    <a16:rowId xmlns:a16="http://schemas.microsoft.com/office/drawing/2014/main" xmlns="" val="10003"/>
+                    <a16:rowId xmlns="" xmlns:a16="http://schemas.microsoft.com/office/drawing/2014/main" val="10003"/>
                   </a:ext>
                 </a:extLst>
               </a:tr>
@@ -13830,7 +13904,7 @@
                 </a:tc>
                 <a:extLst>
                   <a:ext uri="{0D108BD9-81ED-4DB2-BD59-A6C34878D82A}">
-                    <a16:rowId xmlns:a16="http://schemas.microsoft.com/office/drawing/2014/main" xmlns="" val="10004"/>
+                    <a16:rowId xmlns="" xmlns:a16="http://schemas.microsoft.com/office/drawing/2014/main" val="10004"/>
                   </a:ext>
                 </a:extLst>
               </a:tr>
@@ -13901,7 +13975,7 @@
                 </a:tc>
                 <a:extLst>
                   <a:ext uri="{0D108BD9-81ED-4DB2-BD59-A6C34878D82A}">
-                    <a16:rowId xmlns:a16="http://schemas.microsoft.com/office/drawing/2014/main" xmlns="" val="10005"/>
+                    <a16:rowId xmlns="" xmlns:a16="http://schemas.microsoft.com/office/drawing/2014/main" val="10005"/>
                   </a:ext>
                 </a:extLst>
               </a:tr>
@@ -13980,7 +14054,7 @@
                 </a:tc>
                 <a:extLst>
                   <a:ext uri="{0D108BD9-81ED-4DB2-BD59-A6C34878D82A}">
-                    <a16:rowId xmlns:a16="http://schemas.microsoft.com/office/drawing/2014/main" xmlns="" val="10006"/>
+                    <a16:rowId xmlns="" xmlns:a16="http://schemas.microsoft.com/office/drawing/2014/main" val="10006"/>
                   </a:ext>
                 </a:extLst>
               </a:tr>
@@ -14059,7 +14133,7 @@
                 </a:tc>
                 <a:extLst>
                   <a:ext uri="{0D108BD9-81ED-4DB2-BD59-A6C34878D82A}">
-                    <a16:rowId xmlns:a16="http://schemas.microsoft.com/office/drawing/2014/main" xmlns="" val="10007"/>
+                    <a16:rowId xmlns="" xmlns:a16="http://schemas.microsoft.com/office/drawing/2014/main" val="10007"/>
                   </a:ext>
                 </a:extLst>
               </a:tr>
@@ -14892,14 +14966,14 @@
                 <a:gridCol w="1383360">
                   <a:extLst>
                     <a:ext uri="{9D8B030D-6E8A-4147-A177-3AD203B41FA5}">
-                      <a16:colId xmlns:a16="http://schemas.microsoft.com/office/drawing/2014/main" xmlns="" val="20000"/>
+                      <a16:colId xmlns="" xmlns:a16="http://schemas.microsoft.com/office/drawing/2014/main" val="20000"/>
                     </a:ext>
                   </a:extLst>
                 </a:gridCol>
                 <a:gridCol w="4330618">
                   <a:extLst>
                     <a:ext uri="{9D8B030D-6E8A-4147-A177-3AD203B41FA5}">
-                      <a16:colId xmlns:a16="http://schemas.microsoft.com/office/drawing/2014/main" xmlns="" val="20001"/>
+                      <a16:colId xmlns="" xmlns:a16="http://schemas.microsoft.com/office/drawing/2014/main" val="20001"/>
                     </a:ext>
                   </a:extLst>
                 </a:gridCol>
@@ -14971,7 +15045,7 @@
                 </a:tc>
                 <a:extLst>
                   <a:ext uri="{0D108BD9-81ED-4DB2-BD59-A6C34878D82A}">
-                    <a16:rowId xmlns:a16="http://schemas.microsoft.com/office/drawing/2014/main" xmlns="" val="10000"/>
+                    <a16:rowId xmlns="" xmlns:a16="http://schemas.microsoft.com/office/drawing/2014/main" val="10000"/>
                   </a:ext>
                 </a:extLst>
               </a:tr>
@@ -15043,7 +15117,7 @@
                 </a:tc>
                 <a:extLst>
                   <a:ext uri="{0D108BD9-81ED-4DB2-BD59-A6C34878D82A}">
-                    <a16:rowId xmlns:a16="http://schemas.microsoft.com/office/drawing/2014/main" xmlns="" val="10001"/>
+                    <a16:rowId xmlns="" xmlns:a16="http://schemas.microsoft.com/office/drawing/2014/main" val="10001"/>
                   </a:ext>
                 </a:extLst>
               </a:tr>
@@ -15115,7 +15189,7 @@
                 </a:tc>
                 <a:extLst>
                   <a:ext uri="{0D108BD9-81ED-4DB2-BD59-A6C34878D82A}">
-                    <a16:rowId xmlns:a16="http://schemas.microsoft.com/office/drawing/2014/main" xmlns="" val="10002"/>
+                    <a16:rowId xmlns="" xmlns:a16="http://schemas.microsoft.com/office/drawing/2014/main" val="10002"/>
                   </a:ext>
                 </a:extLst>
               </a:tr>
@@ -15187,7 +15261,7 @@
                 </a:tc>
                 <a:extLst>
                   <a:ext uri="{0D108BD9-81ED-4DB2-BD59-A6C34878D82A}">
-                    <a16:rowId xmlns:a16="http://schemas.microsoft.com/office/drawing/2014/main" xmlns="" val="10003"/>
+                    <a16:rowId xmlns="" xmlns:a16="http://schemas.microsoft.com/office/drawing/2014/main" val="10003"/>
                   </a:ext>
                 </a:extLst>
               </a:tr>
@@ -15259,7 +15333,7 @@
                 </a:tc>
                 <a:extLst>
                   <a:ext uri="{0D108BD9-81ED-4DB2-BD59-A6C34878D82A}">
-                    <a16:rowId xmlns:a16="http://schemas.microsoft.com/office/drawing/2014/main" xmlns="" val="10004"/>
+                    <a16:rowId xmlns="" xmlns:a16="http://schemas.microsoft.com/office/drawing/2014/main" val="10004"/>
                   </a:ext>
                 </a:extLst>
               </a:tr>
@@ -15331,7 +15405,7 @@
                 </a:tc>
                 <a:extLst>
                   <a:ext uri="{0D108BD9-81ED-4DB2-BD59-A6C34878D82A}">
-                    <a16:rowId xmlns:a16="http://schemas.microsoft.com/office/drawing/2014/main" xmlns="" val="10005"/>
+                    <a16:rowId xmlns="" xmlns:a16="http://schemas.microsoft.com/office/drawing/2014/main" val="10005"/>
                   </a:ext>
                 </a:extLst>
               </a:tr>
@@ -15402,7 +15476,7 @@
                 </a:tc>
                 <a:extLst>
                   <a:ext uri="{0D108BD9-81ED-4DB2-BD59-A6C34878D82A}">
-                    <a16:rowId xmlns:a16="http://schemas.microsoft.com/office/drawing/2014/main" xmlns="" val="10006"/>
+                    <a16:rowId xmlns="" xmlns:a16="http://schemas.microsoft.com/office/drawing/2014/main" val="10006"/>
                   </a:ext>
                 </a:extLst>
               </a:tr>
@@ -15473,7 +15547,7 @@
                 </a:tc>
                 <a:extLst>
                   <a:ext uri="{0D108BD9-81ED-4DB2-BD59-A6C34878D82A}">
-                    <a16:rowId xmlns:a16="http://schemas.microsoft.com/office/drawing/2014/main" xmlns="" val="10007"/>
+                    <a16:rowId xmlns="" xmlns:a16="http://schemas.microsoft.com/office/drawing/2014/main" val="10007"/>
                   </a:ext>
                 </a:extLst>
               </a:tr>
@@ -15544,7 +15618,7 @@
                 </a:tc>
                 <a:extLst>
                   <a:ext uri="{0D108BD9-81ED-4DB2-BD59-A6C34878D82A}">
-                    <a16:rowId xmlns:a16="http://schemas.microsoft.com/office/drawing/2014/main" xmlns="" val="10008"/>
+                    <a16:rowId xmlns="" xmlns:a16="http://schemas.microsoft.com/office/drawing/2014/main" val="10008"/>
                   </a:ext>
                 </a:extLst>
               </a:tr>
@@ -15676,14 +15750,14 @@
                 <a:gridCol w="1371772">
                   <a:extLst>
                     <a:ext uri="{9D8B030D-6E8A-4147-A177-3AD203B41FA5}">
-                      <a16:colId xmlns:a16="http://schemas.microsoft.com/office/drawing/2014/main" xmlns="" val="20000"/>
+                      <a16:colId xmlns="" xmlns:a16="http://schemas.microsoft.com/office/drawing/2014/main" val="20000"/>
                     </a:ext>
                   </a:extLst>
                 </a:gridCol>
                 <a:gridCol w="4294343">
                   <a:extLst>
                     <a:ext uri="{9D8B030D-6E8A-4147-A177-3AD203B41FA5}">
-                      <a16:colId xmlns:a16="http://schemas.microsoft.com/office/drawing/2014/main" xmlns="" val="20001"/>
+                      <a16:colId xmlns="" xmlns:a16="http://schemas.microsoft.com/office/drawing/2014/main" val="20001"/>
                     </a:ext>
                   </a:extLst>
                 </a:gridCol>
@@ -15756,7 +15830,7 @@
                 </a:tc>
                 <a:extLst>
                   <a:ext uri="{0D108BD9-81ED-4DB2-BD59-A6C34878D82A}">
-                    <a16:rowId xmlns:a16="http://schemas.microsoft.com/office/drawing/2014/main" xmlns="" val="10000"/>
+                    <a16:rowId xmlns="" xmlns:a16="http://schemas.microsoft.com/office/drawing/2014/main" val="10000"/>
                   </a:ext>
                 </a:extLst>
               </a:tr>
@@ -15829,7 +15903,7 @@
                 </a:tc>
                 <a:extLst>
                   <a:ext uri="{0D108BD9-81ED-4DB2-BD59-A6C34878D82A}">
-                    <a16:rowId xmlns:a16="http://schemas.microsoft.com/office/drawing/2014/main" xmlns="" val="10001"/>
+                    <a16:rowId xmlns="" xmlns:a16="http://schemas.microsoft.com/office/drawing/2014/main" val="10001"/>
                   </a:ext>
                 </a:extLst>
               </a:tr>
@@ -15902,7 +15976,7 @@
                 </a:tc>
                 <a:extLst>
                   <a:ext uri="{0D108BD9-81ED-4DB2-BD59-A6C34878D82A}">
-                    <a16:rowId xmlns:a16="http://schemas.microsoft.com/office/drawing/2014/main" xmlns="" val="10002"/>
+                    <a16:rowId xmlns="" xmlns:a16="http://schemas.microsoft.com/office/drawing/2014/main" val="10002"/>
                   </a:ext>
                 </a:extLst>
               </a:tr>
@@ -15979,7 +16053,7 @@
                 </a:tc>
                 <a:extLst>
                   <a:ext uri="{0D108BD9-81ED-4DB2-BD59-A6C34878D82A}">
-                    <a16:rowId xmlns:a16="http://schemas.microsoft.com/office/drawing/2014/main" xmlns="" val="10003"/>
+                    <a16:rowId xmlns="" xmlns:a16="http://schemas.microsoft.com/office/drawing/2014/main" val="10003"/>
                   </a:ext>
                 </a:extLst>
               </a:tr>
@@ -16052,7 +16126,7 @@
                 </a:tc>
                 <a:extLst>
                   <a:ext uri="{0D108BD9-81ED-4DB2-BD59-A6C34878D82A}">
-                    <a16:rowId xmlns:a16="http://schemas.microsoft.com/office/drawing/2014/main" xmlns="" val="10004"/>
+                    <a16:rowId xmlns="" xmlns:a16="http://schemas.microsoft.com/office/drawing/2014/main" val="10004"/>
                   </a:ext>
                 </a:extLst>
               </a:tr>
@@ -16125,7 +16199,7 @@
                 </a:tc>
                 <a:extLst>
                   <a:ext uri="{0D108BD9-81ED-4DB2-BD59-A6C34878D82A}">
-                    <a16:rowId xmlns:a16="http://schemas.microsoft.com/office/drawing/2014/main" xmlns="" val="10005"/>
+                    <a16:rowId xmlns="" xmlns:a16="http://schemas.microsoft.com/office/drawing/2014/main" val="10005"/>
                   </a:ext>
                 </a:extLst>
               </a:tr>
@@ -16197,7 +16271,7 @@
                 </a:tc>
                 <a:extLst>
                   <a:ext uri="{0D108BD9-81ED-4DB2-BD59-A6C34878D82A}">
-                    <a16:rowId xmlns:a16="http://schemas.microsoft.com/office/drawing/2014/main" xmlns="" val="10006"/>
+                    <a16:rowId xmlns="" xmlns:a16="http://schemas.microsoft.com/office/drawing/2014/main" val="10006"/>
                   </a:ext>
                 </a:extLst>
               </a:tr>
@@ -16269,7 +16343,7 @@
                 </a:tc>
                 <a:extLst>
                   <a:ext uri="{0D108BD9-81ED-4DB2-BD59-A6C34878D82A}">
-                    <a16:rowId xmlns:a16="http://schemas.microsoft.com/office/drawing/2014/main" xmlns="" val="10007"/>
+                    <a16:rowId xmlns="" xmlns:a16="http://schemas.microsoft.com/office/drawing/2014/main" val="10007"/>
                   </a:ext>
                 </a:extLst>
               </a:tr>
@@ -16341,7 +16415,7 @@
                 </a:tc>
                 <a:extLst>
                   <a:ext uri="{0D108BD9-81ED-4DB2-BD59-A6C34878D82A}">
-                    <a16:rowId xmlns:a16="http://schemas.microsoft.com/office/drawing/2014/main" xmlns="" val="10008"/>
+                    <a16:rowId xmlns="" xmlns:a16="http://schemas.microsoft.com/office/drawing/2014/main" val="10008"/>
                   </a:ext>
                 </a:extLst>
               </a:tr>
@@ -16413,7 +16487,7 @@
                 </a:tc>
                 <a:extLst>
                   <a:ext uri="{0D108BD9-81ED-4DB2-BD59-A6C34878D82A}">
-                    <a16:rowId xmlns:a16="http://schemas.microsoft.com/office/drawing/2014/main" xmlns="" val="10009"/>
+                    <a16:rowId xmlns="" xmlns:a16="http://schemas.microsoft.com/office/drawing/2014/main" val="10009"/>
                   </a:ext>
                 </a:extLst>
               </a:tr>
@@ -16485,7 +16559,7 @@
                 </a:tc>
                 <a:extLst>
                   <a:ext uri="{0D108BD9-81ED-4DB2-BD59-A6C34878D82A}">
-                    <a16:rowId xmlns:a16="http://schemas.microsoft.com/office/drawing/2014/main" xmlns="" val="10010"/>
+                    <a16:rowId xmlns="" xmlns:a16="http://schemas.microsoft.com/office/drawing/2014/main" val="10010"/>
                   </a:ext>
                 </a:extLst>
               </a:tr>
@@ -16860,14 +16934,14 @@
                 <a:gridCol w="4111153">
                   <a:extLst>
                     <a:ext uri="{9D8B030D-6E8A-4147-A177-3AD203B41FA5}">
-                      <a16:colId xmlns:a16="http://schemas.microsoft.com/office/drawing/2014/main" xmlns="" val="20000"/>
+                      <a16:colId xmlns="" xmlns:a16="http://schemas.microsoft.com/office/drawing/2014/main" val="20000"/>
                     </a:ext>
                   </a:extLst>
                 </a:gridCol>
                 <a:gridCol w="4111153">
                   <a:extLst>
                     <a:ext uri="{9D8B030D-6E8A-4147-A177-3AD203B41FA5}">
-                      <a16:colId xmlns:a16="http://schemas.microsoft.com/office/drawing/2014/main" xmlns="" val="20001"/>
+                      <a16:colId xmlns="" xmlns:a16="http://schemas.microsoft.com/office/drawing/2014/main" val="20001"/>
                     </a:ext>
                   </a:extLst>
                 </a:gridCol>
@@ -16939,7 +17013,7 @@
                 </a:tc>
                 <a:extLst>
                   <a:ext uri="{0D108BD9-81ED-4DB2-BD59-A6C34878D82A}">
-                    <a16:rowId xmlns:a16="http://schemas.microsoft.com/office/drawing/2014/main" xmlns="" val="10000"/>
+                    <a16:rowId xmlns="" xmlns:a16="http://schemas.microsoft.com/office/drawing/2014/main" val="10000"/>
                   </a:ext>
                 </a:extLst>
               </a:tr>
@@ -17019,7 +17093,7 @@
                 </a:tc>
                 <a:extLst>
                   <a:ext uri="{0D108BD9-81ED-4DB2-BD59-A6C34878D82A}">
-                    <a16:rowId xmlns:a16="http://schemas.microsoft.com/office/drawing/2014/main" xmlns="" val="10001"/>
+                    <a16:rowId xmlns="" xmlns:a16="http://schemas.microsoft.com/office/drawing/2014/main" val="10001"/>
                   </a:ext>
                 </a:extLst>
               </a:tr>
@@ -17114,7 +17188,7 @@
                 </a:tc>
                 <a:extLst>
                   <a:ext uri="{0D108BD9-81ED-4DB2-BD59-A6C34878D82A}">
-                    <a16:rowId xmlns:a16="http://schemas.microsoft.com/office/drawing/2014/main" xmlns="" val="10002"/>
+                    <a16:rowId xmlns="" xmlns:a16="http://schemas.microsoft.com/office/drawing/2014/main" val="10002"/>
                   </a:ext>
                 </a:extLst>
               </a:tr>
@@ -17185,7 +17259,7 @@
                 </a:tc>
                 <a:extLst>
                   <a:ext uri="{0D108BD9-81ED-4DB2-BD59-A6C34878D82A}">
-                    <a16:rowId xmlns:a16="http://schemas.microsoft.com/office/drawing/2014/main" xmlns="" val="10003"/>
+                    <a16:rowId xmlns="" xmlns:a16="http://schemas.microsoft.com/office/drawing/2014/main" val="10003"/>
                   </a:ext>
                 </a:extLst>
               </a:tr>
@@ -17256,7 +17330,7 @@
                 </a:tc>
                 <a:extLst>
                   <a:ext uri="{0D108BD9-81ED-4DB2-BD59-A6C34878D82A}">
-                    <a16:rowId xmlns:a16="http://schemas.microsoft.com/office/drawing/2014/main" xmlns="" val="10004"/>
+                    <a16:rowId xmlns="" xmlns:a16="http://schemas.microsoft.com/office/drawing/2014/main" val="10004"/>
                   </a:ext>
                 </a:extLst>
               </a:tr>
@@ -17327,7 +17401,7 @@
                 </a:tc>
                 <a:extLst>
                   <a:ext uri="{0D108BD9-81ED-4DB2-BD59-A6C34878D82A}">
-                    <a16:rowId xmlns:a16="http://schemas.microsoft.com/office/drawing/2014/main" xmlns="" val="10005"/>
+                    <a16:rowId xmlns="" xmlns:a16="http://schemas.microsoft.com/office/drawing/2014/main" val="10005"/>
                   </a:ext>
                 </a:extLst>
               </a:tr>
@@ -17549,14 +17623,14 @@
                 <a:gridCol w="1944907">
                   <a:extLst>
                     <a:ext uri="{9D8B030D-6E8A-4147-A177-3AD203B41FA5}">
-                      <a16:colId xmlns:a16="http://schemas.microsoft.com/office/drawing/2014/main" xmlns="" val="20000"/>
+                      <a16:colId xmlns="" xmlns:a16="http://schemas.microsoft.com/office/drawing/2014/main" val="20000"/>
                     </a:ext>
                   </a:extLst>
                 </a:gridCol>
                 <a:gridCol w="5219273">
                   <a:extLst>
                     <a:ext uri="{9D8B030D-6E8A-4147-A177-3AD203B41FA5}">
-                      <a16:colId xmlns:a16="http://schemas.microsoft.com/office/drawing/2014/main" xmlns="" val="20001"/>
+                      <a16:colId xmlns="" xmlns:a16="http://schemas.microsoft.com/office/drawing/2014/main" val="20001"/>
                     </a:ext>
                   </a:extLst>
                 </a:gridCol>
@@ -17628,7 +17702,7 @@
                 </a:tc>
                 <a:extLst>
                   <a:ext uri="{0D108BD9-81ED-4DB2-BD59-A6C34878D82A}">
-                    <a16:rowId xmlns:a16="http://schemas.microsoft.com/office/drawing/2014/main" xmlns="" val="10000"/>
+                    <a16:rowId xmlns="" xmlns:a16="http://schemas.microsoft.com/office/drawing/2014/main" val="10000"/>
                   </a:ext>
                 </a:extLst>
               </a:tr>
@@ -17724,7 +17798,7 @@
                 </a:tc>
                 <a:extLst>
                   <a:ext uri="{0D108BD9-81ED-4DB2-BD59-A6C34878D82A}">
-                    <a16:rowId xmlns:a16="http://schemas.microsoft.com/office/drawing/2014/main" xmlns="" val="10001"/>
+                    <a16:rowId xmlns="" xmlns:a16="http://schemas.microsoft.com/office/drawing/2014/main" val="10001"/>
                   </a:ext>
                 </a:extLst>
               </a:tr>
@@ -17799,7 +17873,7 @@
                 </a:tc>
                 <a:extLst>
                   <a:ext uri="{0D108BD9-81ED-4DB2-BD59-A6C34878D82A}">
-                    <a16:rowId xmlns:a16="http://schemas.microsoft.com/office/drawing/2014/main" xmlns="" val="10002"/>
+                    <a16:rowId xmlns="" xmlns:a16="http://schemas.microsoft.com/office/drawing/2014/main" val="10002"/>
                   </a:ext>
                 </a:extLst>
               </a:tr>
@@ -17878,7 +17952,7 @@
                 </a:tc>
                 <a:extLst>
                   <a:ext uri="{0D108BD9-81ED-4DB2-BD59-A6C34878D82A}">
-                    <a16:rowId xmlns:a16="http://schemas.microsoft.com/office/drawing/2014/main" xmlns="" val="10003"/>
+                    <a16:rowId xmlns="" xmlns:a16="http://schemas.microsoft.com/office/drawing/2014/main" val="10003"/>
                   </a:ext>
                 </a:extLst>
               </a:tr>
@@ -17966,7 +18040,7 @@
                 </a:tc>
                 <a:extLst>
                   <a:ext uri="{0D108BD9-81ED-4DB2-BD59-A6C34878D82A}">
-                    <a16:rowId xmlns:a16="http://schemas.microsoft.com/office/drawing/2014/main" xmlns="" val="10004"/>
+                    <a16:rowId xmlns="" xmlns:a16="http://schemas.microsoft.com/office/drawing/2014/main" val="10004"/>
                   </a:ext>
                 </a:extLst>
               </a:tr>
@@ -18037,7 +18111,7 @@
                 </a:tc>
                 <a:extLst>
                   <a:ext uri="{0D108BD9-81ED-4DB2-BD59-A6C34878D82A}">
-                    <a16:rowId xmlns:a16="http://schemas.microsoft.com/office/drawing/2014/main" xmlns="" val="10005"/>
+                    <a16:rowId xmlns="" xmlns:a16="http://schemas.microsoft.com/office/drawing/2014/main" val="10005"/>
                   </a:ext>
                 </a:extLst>
               </a:tr>
@@ -18591,7 +18665,6 @@
               <a:rPr lang="en-US" dirty="0" smtClean="0"/>
               <a:t>Document Object Model</a:t>
             </a:r>
-            <a:endParaRPr lang="en-US" dirty="0" smtClean="0"/>
           </a:p>
         </p:txBody>
       </p:sp>
@@ -22931,14 +23004,14 @@
                 <a:gridCol w="4111153">
                   <a:extLst>
                     <a:ext uri="{9D8B030D-6E8A-4147-A177-3AD203B41FA5}">
-                      <a16:colId xmlns:a16="http://schemas.microsoft.com/office/drawing/2014/main" xmlns="" val="20000"/>
+                      <a16:colId xmlns="" xmlns:a16="http://schemas.microsoft.com/office/drawing/2014/main" val="20000"/>
                     </a:ext>
                   </a:extLst>
                 </a:gridCol>
                 <a:gridCol w="4111153">
                   <a:extLst>
                     <a:ext uri="{9D8B030D-6E8A-4147-A177-3AD203B41FA5}">
-                      <a16:colId xmlns:a16="http://schemas.microsoft.com/office/drawing/2014/main" xmlns="" val="20001"/>
+                      <a16:colId xmlns="" xmlns:a16="http://schemas.microsoft.com/office/drawing/2014/main" val="20001"/>
                     </a:ext>
                   </a:extLst>
                 </a:gridCol>
@@ -22994,7 +23067,6 @@
                         <a:rPr lang="en-US" sz="1500" dirty="0" smtClean="0"/>
                         <a:t>.delegate()</a:t>
                       </a:r>
-                      <a:endParaRPr lang="en-US" sz="1500" dirty="0" smtClean="0"/>
                     </a:p>
                   </a:txBody>
                   <a:tcPr marL="128248" marR="128248" marT="48093" marB="48093" anchor="ctr">
@@ -23011,7 +23083,7 @@
                 </a:tc>
                 <a:extLst>
                   <a:ext uri="{0D108BD9-81ED-4DB2-BD59-A6C34878D82A}">
-                    <a16:rowId xmlns:a16="http://schemas.microsoft.com/office/drawing/2014/main" xmlns="" val="10000"/>
+                    <a16:rowId xmlns="" xmlns:a16="http://schemas.microsoft.com/office/drawing/2014/main" val="10000"/>
                   </a:ext>
                 </a:extLst>
               </a:tr>
@@ -23091,7 +23163,7 @@
                 </a:tc>
                 <a:extLst>
                   <a:ext uri="{0D108BD9-81ED-4DB2-BD59-A6C34878D82A}">
-                    <a16:rowId xmlns:a16="http://schemas.microsoft.com/office/drawing/2014/main" xmlns="" val="10001"/>
+                    <a16:rowId xmlns="" xmlns:a16="http://schemas.microsoft.com/office/drawing/2014/main" val="10001"/>
                   </a:ext>
                 </a:extLst>
               </a:tr>
@@ -23146,7 +23218,6 @@
                         <a:rPr lang="en-US" sz="1500" dirty="0" smtClean="0"/>
                         <a:t>Works even when new objects are added in to the DOM</a:t>
                       </a:r>
-                      <a:endParaRPr lang="en-US" sz="1500" dirty="0" smtClean="0"/>
                     </a:p>
                   </a:txBody>
                   <a:tcPr marL="128248" marR="128248" marT="48093" marB="48093">
@@ -23163,7 +23234,7 @@
                 </a:tc>
                 <a:extLst>
                   <a:ext uri="{0D108BD9-81ED-4DB2-BD59-A6C34878D82A}">
-                    <a16:rowId xmlns:a16="http://schemas.microsoft.com/office/drawing/2014/main" xmlns="" val="10002"/>
+                    <a16:rowId xmlns="" xmlns:a16="http://schemas.microsoft.com/office/drawing/2014/main" val="10002"/>
                   </a:ext>
                 </a:extLst>
               </a:tr>
@@ -23250,7 +23321,6 @@
                         <a:rPr lang="en-US" sz="1500" dirty="0" smtClean="0"/>
                         <a:t>);</a:t>
                       </a:r>
-                      <a:endParaRPr lang="en-US" sz="1500" dirty="0" smtClean="0"/>
                     </a:p>
                   </a:txBody>
                   <a:tcPr marL="128248" marR="128248" marT="48093" marB="48093">
@@ -23267,7 +23337,7 @@
                 </a:tc>
                 <a:extLst>
                   <a:ext uri="{0D108BD9-81ED-4DB2-BD59-A6C34878D82A}">
-                    <a16:rowId xmlns:a16="http://schemas.microsoft.com/office/drawing/2014/main" xmlns="" val="10003"/>
+                    <a16:rowId xmlns="" xmlns:a16="http://schemas.microsoft.com/office/drawing/2014/main" val="10003"/>
                   </a:ext>
                 </a:extLst>
               </a:tr>
@@ -23334,7 +23404,6 @@
                         <a:rPr lang="en-US" sz="1500" dirty="0" smtClean="0"/>
                         <a:t>Scans elements specific to the context object (#div)</a:t>
                       </a:r>
-                      <a:endParaRPr lang="en-US" sz="1500" dirty="0" smtClean="0"/>
                     </a:p>
                   </a:txBody>
                   <a:tcPr marL="128248" marR="128248" marT="48093" marB="48093">
@@ -23351,7 +23420,7 @@
                 </a:tc>
                 <a:extLst>
                   <a:ext uri="{0D108BD9-81ED-4DB2-BD59-A6C34878D82A}">
-                    <a16:rowId xmlns:a16="http://schemas.microsoft.com/office/drawing/2014/main" xmlns="" val="10004"/>
+                    <a16:rowId xmlns="" xmlns:a16="http://schemas.microsoft.com/office/drawing/2014/main" val="10004"/>
                   </a:ext>
                 </a:extLst>
               </a:tr>
@@ -23427,7 +23496,7 @@
                 </a:tc>
                 <a:extLst>
                   <a:ext uri="{0D108BD9-81ED-4DB2-BD59-A6C34878D82A}">
-                    <a16:rowId xmlns:a16="http://schemas.microsoft.com/office/drawing/2014/main" xmlns="" val="10005"/>
+                    <a16:rowId xmlns="" xmlns:a16="http://schemas.microsoft.com/office/drawing/2014/main" val="10005"/>
                   </a:ext>
                 </a:extLst>
               </a:tr>
@@ -24362,15 +24431,6 @@
 </file>
 
 <file path=customXml/item1.xml><?xml version="1.0" encoding="utf-8"?>
-<p:properties xmlns:p="http://schemas.microsoft.com/office/2006/metadata/properties" xmlns:xsi="http://www.w3.org/2001/XMLSchema-instance" xmlns:pc="http://schemas.microsoft.com/office/infopath/2007/PartnerControls">
-  <documentManagement>
-    <PublishingExpirationDate xmlns="http://schemas.microsoft.com/sharepoint/v3" xsi:nil="true"/>
-    <PublishingStartDate xmlns="http://schemas.microsoft.com/sharepoint/v3" xsi:nil="true"/>
-  </documentManagement>
-</p:properties>
-</file>
-
-<file path=customXml/item2.xml><?xml version="1.0" encoding="utf-8"?>
 <?mso-contentType ?>
 <FormTemplates xmlns="http://schemas.microsoft.com/sharepoint/v3/contenttype/forms">
   <Display>DocumentLibraryForm</Display>
@@ -24379,7 +24439,7 @@
 </FormTemplates>
 </file>
 
-<file path=customXml/item3.xml><?xml version="1.0" encoding="utf-8"?>
+<file path=customXml/item2.xml><?xml version="1.0" encoding="utf-8"?>
 <ct:contentTypeSchema xmlns:ct="http://schemas.microsoft.com/office/2006/metadata/contentType" xmlns:ma="http://schemas.microsoft.com/office/2006/metadata/properties/metaAttributes" ct:_="" ma:_="" ma:contentTypeName="Document" ma:contentTypeID="0x010100B0E9A4A7D20EA84CAA39F80EA2A19865" ma:contentTypeVersion="1" ma:contentTypeDescription="Create a new document." ma:contentTypeScope="" ma:versionID="4ed0c655cf5595f31b06ef1418ca28bf">
   <xsd:schema xmlns:xsd="http://www.w3.org/2001/XMLSchema" xmlns:xs="http://www.w3.org/2001/XMLSchema" xmlns:p="http://schemas.microsoft.com/office/2006/metadata/properties" xmlns:ns1="http://schemas.microsoft.com/sharepoint/v3" targetNamespace="http://schemas.microsoft.com/office/2006/metadata/properties" ma:root="true" ma:fieldsID="4dcce58c87e9fcebab8021569449a8d0" ns1:_="">
     <xsd:import namespace="http://schemas.microsoft.com/sharepoint/v3"/>
@@ -24511,23 +24571,16 @@
 </ct:contentTypeSchema>
 </file>
 
-<file path=customXml/itemProps1.xml><?xml version="1.0" encoding="utf-8"?>
-<ds:datastoreItem xmlns:ds="http://schemas.openxmlformats.org/officeDocument/2006/customXml" ds:itemID="{D5E3C081-4081-47AD-A9A6-9F18F525DA1D}">
-  <ds:schemaRefs>
-    <ds:schemaRef ds:uri="http://purl.org/dc/dcmitype/"/>
-    <ds:schemaRef ds:uri="http://purl.org/dc/elements/1.1/"/>
-    <ds:schemaRef ds:uri="http://schemas.microsoft.com/office/2006/metadata/properties"/>
-    <ds:schemaRef ds:uri="http://schemas.microsoft.com/office/2006/documentManagement/types"/>
-    <ds:schemaRef ds:uri="http://schemas.microsoft.com/office/infopath/2007/PartnerControls"/>
-    <ds:schemaRef ds:uri="http://schemas.openxmlformats.org/package/2006/metadata/core-properties"/>
-    <ds:schemaRef ds:uri="http://purl.org/dc/terms/"/>
-    <ds:schemaRef ds:uri="http://schemas.microsoft.com/sharepoint/v3"/>
-    <ds:schemaRef ds:uri="http://www.w3.org/XML/1998/namespace"/>
-  </ds:schemaRefs>
-</ds:datastoreItem>
+<file path=customXml/item3.xml><?xml version="1.0" encoding="utf-8"?>
+<p:properties xmlns:p="http://schemas.microsoft.com/office/2006/metadata/properties" xmlns:xsi="http://www.w3.org/2001/XMLSchema-instance" xmlns:pc="http://schemas.microsoft.com/office/infopath/2007/PartnerControls">
+  <documentManagement>
+    <PublishingExpirationDate xmlns="http://schemas.microsoft.com/sharepoint/v3" xsi:nil="true"/>
+    <PublishingStartDate xmlns="http://schemas.microsoft.com/sharepoint/v3" xsi:nil="true"/>
+  </documentManagement>
+</p:properties>
 </file>
 
-<file path=customXml/itemProps2.xml><?xml version="1.0" encoding="utf-8"?>
+<file path=customXml/itemProps1.xml><?xml version="1.0" encoding="utf-8"?>
 <ds:datastoreItem xmlns:ds="http://schemas.openxmlformats.org/officeDocument/2006/customXml" ds:itemID="{14883F0F-DE57-4ECA-B9BB-F22E8C5B5D82}">
   <ds:schemaRefs>
     <ds:schemaRef ds:uri="http://schemas.microsoft.com/sharepoint/v3/contenttype/forms"/>
@@ -24535,7 +24588,7 @@
 </ds:datastoreItem>
 </file>
 
-<file path=customXml/itemProps3.xml><?xml version="1.0" encoding="utf-8"?>
+<file path=customXml/itemProps2.xml><?xml version="1.0" encoding="utf-8"?>
 <ds:datastoreItem xmlns:ds="http://schemas.openxmlformats.org/officeDocument/2006/customXml" ds:itemID="{C3A1A37E-F8E3-427A-BCE9-B1DDB8B96CDF}">
   <ds:schemaRefs>
     <ds:schemaRef ds:uri="http://schemas.microsoft.com/office/2006/metadata/contentType"/>
@@ -24551,4 +24604,20 @@
     <ds:schemaRef ds:uri="http://schemas.microsoft.com/internal/obd"/>
   </ds:schemaRefs>
 </ds:datastoreItem>
+</file>
+
+<file path=customXml/itemProps3.xml><?xml version="1.0" encoding="utf-8"?>
+<ds:datastoreItem xmlns:ds="http://schemas.openxmlformats.org/officeDocument/2006/customXml" ds:itemID="{D5E3C081-4081-47AD-A9A6-9F18F525DA1D}">
+  <ds:schemaRefs>
+    <ds:schemaRef ds:uri="http://purl.org/dc/dcmitype/"/>
+    <ds:schemaRef ds:uri="http://purl.org/dc/elements/1.1/"/>
+    <ds:schemaRef ds:uri="http://schemas.microsoft.com/office/2006/metadata/properties"/>
+    <ds:schemaRef ds:uri="http://schemas.microsoft.com/office/2006/documentManagement/types"/>
+    <ds:schemaRef ds:uri="http://schemas.microsoft.com/office/infopath/2007/PartnerControls"/>
+    <ds:schemaRef ds:uri="http://schemas.openxmlformats.org/package/2006/metadata/core-properties"/>
+    <ds:schemaRef ds:uri="http://purl.org/dc/terms/"/>
+    <ds:schemaRef ds:uri="http://schemas.microsoft.com/sharepoint/v3"/>
+    <ds:schemaRef ds:uri="http://www.w3.org/XML/1998/namespace"/>
+  </ds:schemaRefs>
+</ds:datastoreItem>
 </file>